--- a/documentazione/BankRobbery.pptx
+++ b/documentazione/BankRobbery.pptx
@@ -5937,7 +5937,7 @@
       </p:sp>
       <p:pic>
         <p:nvPicPr>
-          <p:cNvPr id="7" name="AEG" descr="Immagine che contiene mappa, testo, tavolo, uomo&#10;&#10;Descrizione generata automaticamente">
+          <p:cNvPr id="7" name="AEG">
             <a:extLst>
               <a:ext uri="{FF2B5EF4-FFF2-40B4-BE49-F238E27FC236}">
                 <a16:creationId xmlns:a16="http://schemas.microsoft.com/office/drawing/2014/main" id="{0BC50428-2606-4CDB-A465-FE6B371C9C2B}"/>
@@ -5959,13 +5959,13 @@
               </a:ext>
             </a:extLst>
           </a:blip>
-          <a:srcRect l="5941" t="3310" r="5157" b="4093"/>
+          <a:srcRect l="5709" t="5000" r="5792" b="4878"/>
           <a:stretch/>
         </p:blipFill>
         <p:spPr>
           <a:xfrm>
-            <a:off x="5780478" y="2541652"/>
-            <a:ext cx="5775884" cy="3914288"/>
+            <a:off x="5716149" y="2541651"/>
+            <a:ext cx="5840213" cy="3926423"/>
           </a:xfrm>
           <a:prstGeom prst="rect">
             <a:avLst/>

--- a/documentazione/BankRobbery.pptx
+++ b/documentazione/BankRobbery.pptx
@@ -3537,7 +3537,7 @@
                   <a:srgbClr val="FFC000"/>
                 </a:solidFill>
               </a:rPr>
-              <a:t>Gianluca Tumminelli</a:t>
+              <a:t>Tumminelli Gianluca</a:t>
             </a:r>
           </a:p>
         </p:txBody>
@@ -4756,36 +4756,57 @@
           </a:p>
         </p:txBody>
       </p:sp>
-      <p:sp>
-        <p:nvSpPr>
-          <p:cNvPr id="3" name="risultati">
-            <a:extLst>
-              <a:ext uri="{FF2B5EF4-FFF2-40B4-BE49-F238E27FC236}">
-                <a16:creationId xmlns:a16="http://schemas.microsoft.com/office/drawing/2014/main" id="{99F9DC59-D77E-4DF1-B722-BE6FCD6B92BF}"/>
-              </a:ext>
-            </a:extLst>
-          </p:cNvPr>
-          <p:cNvSpPr>
-            <a:spLocks noGrp="1"/>
-          </p:cNvSpPr>
+      <p:pic>
+        <p:nvPicPr>
+          <p:cNvPr id="4" name="Segnaposto contenuto 3" descr="Immagine che contiene mappa, testo&#10;&#10;Descrizione generata automaticamente">
+            <a:extLst>
+              <a:ext uri="{FF2B5EF4-FFF2-40B4-BE49-F238E27FC236}">
+                <a16:creationId xmlns:a16="http://schemas.microsoft.com/office/drawing/2014/main" id="{E1F5ADAE-CA2C-47BA-85C8-230BCBF41F68}"/>
+              </a:ext>
+            </a:extLst>
+          </p:cNvPr>
+          <p:cNvPicPr>
+            <a:picLocks noGrp="1" noChangeAspect="1"/>
+          </p:cNvPicPr>
           <p:nvPr>
             <p:ph sz="half" idx="1"/>
           </p:nvPr>
-        </p:nvSpPr>
-        <p:spPr>
-          <a:xfrm>
-            <a:off x="838760" y="2923941"/>
-            <a:ext cx="6304989" cy="3544830"/>
-          </a:xfrm>
-        </p:spPr>
-        <p:txBody>
-          <a:bodyPr/>
-          <a:lstStyle/>
-          <a:p>
-            <a:endParaRPr lang="it-IT"/>
-          </a:p>
-        </p:txBody>
-      </p:sp>
+        </p:nvPicPr>
+        <p:blipFill>
+          <a:blip r:embed="rId2">
+            <a:extLst>
+              <a:ext uri="{28A0092B-C50C-407E-A947-70E740481C1C}">
+                <a14:useLocalDpi xmlns:a14="http://schemas.microsoft.com/office/drawing/2010/main" val="0"/>
+              </a:ext>
+            </a:extLst>
+          </a:blip>
+          <a:stretch>
+            <a:fillRect/>
+          </a:stretch>
+        </p:blipFill>
+        <p:spPr>
+          <a:xfrm>
+            <a:off x="958885" y="2864440"/>
+            <a:ext cx="5989099" cy="3544888"/>
+          </a:xfrm>
+          <a:prstGeom prst="rect">
+            <a:avLst/>
+          </a:prstGeom>
+          <a:ln w="38100" cap="sq">
+            <a:solidFill>
+              <a:srgbClr val="000000"/>
+            </a:solidFill>
+            <a:miter lim="800000"/>
+          </a:ln>
+          <a:effectLst>
+            <a:outerShdw blurRad="57150" dist="50800" dir="2700000" algn="tl" rotWithShape="0">
+              <a:srgbClr val="000000">
+                <a:alpha val="40000"/>
+              </a:srgbClr>
+            </a:outerShdw>
+          </a:effectLst>
+        </p:spPr>
+      </p:pic>
       <p:pic>
         <p:nvPicPr>
           <p:cNvPr id="7" name="AEG">
@@ -4803,7 +4824,7 @@
           </p:nvPr>
         </p:nvPicPr>
         <p:blipFill rotWithShape="1">
-          <a:blip r:embed="rId2">
+          <a:blip r:embed="rId3">
             <a:extLst>
               <a:ext uri="{28A0092B-C50C-407E-A947-70E740481C1C}">
                 <a14:useLocalDpi xmlns:a14="http://schemas.microsoft.com/office/drawing/2010/main" val="0"/>
@@ -5105,7 +5126,7 @@
                   <a:schemeClr val="bg1"/>
                 </a:solidFill>
               </a:rPr>
-              <a:t>I seguente attacco rappresenta una rapina effettuata da un team di rapinatori di alto livello. Essi punteranno a prendere il controllo di tutti i meccanismi di sicurezza della banca e a trovare una falla nelle routine degli addetti di sicurezza per poi poter forzare il caveau e prelevare ingenti quantità di denaro.</a:t>
+              <a:t>Il seguente attacco rappresenta una rapina effettuata da un team di rapinatori di alto livello. Essi punteranno a prendere il controllo di tutti i meccanismi di sicurezza della banca e a trovare una falla nelle routine degli addetti di sicurezza per poi poter forzare il caveau e prelevare ingenti quantità di denaro.</a:t>
             </a:r>
           </a:p>
         </p:txBody>
@@ -5125,11 +5146,11 @@
           <p:nvPr/>
         </p:nvPicPr>
         <p:blipFill>
-          <a:blip r:embed="rId3">
+          <a:blip r:embed="rId4">
             <a:extLst>
               <a:ext uri="{BEBA8EAE-BF5A-486C-A8C5-ECC9F3942E4B}">
                 <a14:imgProps xmlns:a14="http://schemas.microsoft.com/office/drawing/2010/main">
-                  <a14:imgLayer r:embed="rId4">
+                  <a14:imgLayer r:embed="rId5">
                     <a14:imgEffect>
                       <a14:artisticLineDrawing/>
                     </a14:imgEffect>
@@ -5140,7 +5161,7 @@
                 <a14:useLocalDpi xmlns:a14="http://schemas.microsoft.com/office/drawing/2010/main" val="0"/>
               </a:ext>
               <a:ext uri="{837473B0-CC2E-450A-ABE3-18F120FF3D39}">
-                <a1611:picAttrSrcUrl xmlns:a1611="http://schemas.microsoft.com/office/drawing/2016/11/main" r:id="rId5"/>
+                <a1611:picAttrSrcUrl xmlns:a1611="http://schemas.microsoft.com/office/drawing/2016/11/main" r:id="rId6"/>
               </a:ext>
             </a:extLst>
           </a:blip>
@@ -5319,36 +5340,57 @@
           </a:p>
         </p:txBody>
       </p:sp>
-      <p:sp>
-        <p:nvSpPr>
-          <p:cNvPr id="3" name="risultati">
-            <a:extLst>
-              <a:ext uri="{FF2B5EF4-FFF2-40B4-BE49-F238E27FC236}">
-                <a16:creationId xmlns:a16="http://schemas.microsoft.com/office/drawing/2014/main" id="{99F9DC59-D77E-4DF1-B722-BE6FCD6B92BF}"/>
-              </a:ext>
-            </a:extLst>
-          </p:cNvPr>
-          <p:cNvSpPr>
-            <a:spLocks noGrp="1"/>
-          </p:cNvSpPr>
+      <p:pic>
+        <p:nvPicPr>
+          <p:cNvPr id="4" name="Segnaposto contenuto 3" descr="Immagine che contiene testo, mappa&#10;&#10;Descrizione generata automaticamente">
+            <a:extLst>
+              <a:ext uri="{FF2B5EF4-FFF2-40B4-BE49-F238E27FC236}">
+                <a16:creationId xmlns:a16="http://schemas.microsoft.com/office/drawing/2014/main" id="{F5C407F8-3770-4840-ABF6-0F7DC93E7B0F}"/>
+              </a:ext>
+            </a:extLst>
+          </p:cNvPr>
+          <p:cNvPicPr>
+            <a:picLocks noGrp="1" noChangeAspect="1"/>
+          </p:cNvPicPr>
           <p:nvPr>
             <p:ph sz="half" idx="1"/>
           </p:nvPr>
-        </p:nvSpPr>
-        <p:spPr>
-          <a:xfrm>
-            <a:off x="951158" y="3041864"/>
-            <a:ext cx="6497295" cy="3436215"/>
-          </a:xfrm>
-        </p:spPr>
-        <p:txBody>
-          <a:bodyPr/>
-          <a:lstStyle/>
-          <a:p>
-            <a:endParaRPr lang="it-IT"/>
-          </a:p>
-        </p:txBody>
-      </p:sp>
+        </p:nvPicPr>
+        <p:blipFill>
+          <a:blip r:embed="rId2">
+            <a:extLst>
+              <a:ext uri="{28A0092B-C50C-407E-A947-70E740481C1C}">
+                <a14:useLocalDpi xmlns:a14="http://schemas.microsoft.com/office/drawing/2010/main" val="0"/>
+              </a:ext>
+            </a:extLst>
+          </a:blip>
+          <a:stretch>
+            <a:fillRect/>
+          </a:stretch>
+        </p:blipFill>
+        <p:spPr>
+          <a:xfrm>
+            <a:off x="921407" y="3032556"/>
+            <a:ext cx="6382419" cy="3436938"/>
+          </a:xfrm>
+          <a:prstGeom prst="rect">
+            <a:avLst/>
+          </a:prstGeom>
+          <a:ln w="38100" cap="sq">
+            <a:solidFill>
+              <a:srgbClr val="000000"/>
+            </a:solidFill>
+            <a:miter lim="800000"/>
+          </a:ln>
+          <a:effectLst>
+            <a:outerShdw blurRad="57150" dist="50800" dir="2700000" algn="tl" rotWithShape="0">
+              <a:srgbClr val="000000">
+                <a:alpha val="40000"/>
+              </a:srgbClr>
+            </a:outerShdw>
+          </a:effectLst>
+        </p:spPr>
+      </p:pic>
       <p:pic>
         <p:nvPicPr>
           <p:cNvPr id="7" name="AEG">
@@ -5366,7 +5408,7 @@
           </p:nvPr>
         </p:nvPicPr>
         <p:blipFill rotWithShape="1">
-          <a:blip r:embed="rId2">
+          <a:blip r:embed="rId3">
             <a:extLst>
               <a:ext uri="{28A0092B-C50C-407E-A947-70E740481C1C}">
                 <a14:useLocalDpi xmlns:a14="http://schemas.microsoft.com/office/drawing/2010/main" val="0"/>
@@ -5711,11 +5753,11 @@
           <p:nvPr/>
         </p:nvPicPr>
         <p:blipFill>
-          <a:blip r:embed="rId3">
+          <a:blip r:embed="rId4">
             <a:extLst>
               <a:ext uri="{BEBA8EAE-BF5A-486C-A8C5-ECC9F3942E4B}">
                 <a14:imgProps xmlns:a14="http://schemas.microsoft.com/office/drawing/2010/main">
-                  <a14:imgLayer r:embed="rId4">
+                  <a14:imgLayer r:embed="rId5">
                     <a14:imgEffect>
                       <a14:artisticLineDrawing/>
                     </a14:imgEffect>
@@ -5726,7 +5768,7 @@
                 <a14:useLocalDpi xmlns:a14="http://schemas.microsoft.com/office/drawing/2010/main" val="0"/>
               </a:ext>
               <a:ext uri="{837473B0-CC2E-450A-ABE3-18F120FF3D39}">
-                <a1611:picAttrSrcUrl xmlns:a1611="http://schemas.microsoft.com/office/drawing/2016/11/main" r:id="rId5"/>
+                <a1611:picAttrSrcUrl xmlns:a1611="http://schemas.microsoft.com/office/drawing/2016/11/main" r:id="rId6"/>
               </a:ext>
             </a:extLst>
           </a:blip>
@@ -5905,36 +5947,57 @@
           </a:p>
         </p:txBody>
       </p:sp>
-      <p:sp>
-        <p:nvSpPr>
-          <p:cNvPr id="3" name="risultati">
-            <a:extLst>
-              <a:ext uri="{FF2B5EF4-FFF2-40B4-BE49-F238E27FC236}">
-                <a16:creationId xmlns:a16="http://schemas.microsoft.com/office/drawing/2014/main" id="{99F9DC59-D77E-4DF1-B722-BE6FCD6B92BF}"/>
-              </a:ext>
-            </a:extLst>
-          </p:cNvPr>
-          <p:cNvSpPr>
-            <a:spLocks noGrp="1"/>
-          </p:cNvSpPr>
+      <p:pic>
+        <p:nvPicPr>
+          <p:cNvPr id="4" name="Segnaposto contenuto 3" descr="Immagine che contiene testo, mappa&#10;&#10;Descrizione generata automaticamente">
+            <a:extLst>
+              <a:ext uri="{FF2B5EF4-FFF2-40B4-BE49-F238E27FC236}">
+                <a16:creationId xmlns:a16="http://schemas.microsoft.com/office/drawing/2014/main" id="{83B7A786-3630-431E-AA68-3056E5FFD699}"/>
+              </a:ext>
+            </a:extLst>
+          </p:cNvPr>
+          <p:cNvPicPr>
+            <a:picLocks noGrp="1" noChangeAspect="1"/>
+          </p:cNvPicPr>
           <p:nvPr>
             <p:ph sz="half" idx="1"/>
           </p:nvPr>
-        </p:nvSpPr>
-        <p:spPr>
-          <a:xfrm>
-            <a:off x="838200" y="2541651"/>
-            <a:ext cx="4757781" cy="3914288"/>
-          </a:xfrm>
-        </p:spPr>
-        <p:txBody>
-          <a:bodyPr/>
-          <a:lstStyle/>
-          <a:p>
-            <a:endParaRPr lang="it-IT"/>
-          </a:p>
-        </p:txBody>
-      </p:sp>
+        </p:nvPicPr>
+        <p:blipFill>
+          <a:blip r:embed="rId2">
+            <a:extLst>
+              <a:ext uri="{28A0092B-C50C-407E-A947-70E740481C1C}">
+                <a14:useLocalDpi xmlns:a14="http://schemas.microsoft.com/office/drawing/2010/main" val="0"/>
+              </a:ext>
+            </a:extLst>
+          </a:blip>
+          <a:stretch>
+            <a:fillRect/>
+          </a:stretch>
+        </p:blipFill>
+        <p:spPr>
+          <a:xfrm>
+            <a:off x="679201" y="2739363"/>
+            <a:ext cx="5416799" cy="3505208"/>
+          </a:xfrm>
+          <a:prstGeom prst="rect">
+            <a:avLst/>
+          </a:prstGeom>
+          <a:ln w="38100" cap="sq">
+            <a:solidFill>
+              <a:srgbClr val="000000"/>
+            </a:solidFill>
+            <a:miter lim="800000"/>
+          </a:ln>
+          <a:effectLst>
+            <a:outerShdw blurRad="57150" dist="50800" dir="2700000" algn="tl" rotWithShape="0">
+              <a:srgbClr val="000000">
+                <a:alpha val="40000"/>
+              </a:srgbClr>
+            </a:outerShdw>
+          </a:effectLst>
+        </p:spPr>
+      </p:pic>
       <p:pic>
         <p:nvPicPr>
           <p:cNvPr id="7" name="AEG">
@@ -5952,7 +6015,7 @@
           </p:nvPr>
         </p:nvPicPr>
         <p:blipFill rotWithShape="1">
-          <a:blip r:embed="rId2">
+          <a:blip r:embed="rId3">
             <a:extLst>
               <a:ext uri="{28A0092B-C50C-407E-A947-70E740481C1C}">
                 <a14:useLocalDpi xmlns:a14="http://schemas.microsoft.com/office/drawing/2010/main" val="0"/>
@@ -5964,8 +6027,8 @@
         </p:blipFill>
         <p:spPr>
           <a:xfrm>
-            <a:off x="5716149" y="2541651"/>
-            <a:ext cx="5840213" cy="3926423"/>
+            <a:off x="6304306" y="2739362"/>
+            <a:ext cx="5252056" cy="3531000"/>
           </a:xfrm>
           <a:prstGeom prst="rect">
             <a:avLst/>
@@ -6235,11 +6298,11 @@
           <p:nvPr/>
         </p:nvPicPr>
         <p:blipFill>
-          <a:blip r:embed="rId3">
+          <a:blip r:embed="rId4">
             <a:extLst>
               <a:ext uri="{BEBA8EAE-BF5A-486C-A8C5-ECC9F3942E4B}">
                 <a14:imgProps xmlns:a14="http://schemas.microsoft.com/office/drawing/2010/main">
-                  <a14:imgLayer r:embed="rId4">
+                  <a14:imgLayer r:embed="rId5">
                     <a14:imgEffect>
                       <a14:artisticLineDrawing/>
                     </a14:imgEffect>
@@ -6250,7 +6313,7 @@
                 <a14:useLocalDpi xmlns:a14="http://schemas.microsoft.com/office/drawing/2010/main" val="0"/>
               </a:ext>
               <a:ext uri="{837473B0-CC2E-450A-ABE3-18F120FF3D39}">
-                <a1611:picAttrSrcUrl xmlns:a1611="http://schemas.microsoft.com/office/drawing/2016/11/main" r:id="rId5"/>
+                <a1611:picAttrSrcUrl xmlns:a1611="http://schemas.microsoft.com/office/drawing/2016/11/main" r:id="rId6"/>
               </a:ext>
             </a:extLst>
           </a:blip>
@@ -6282,8 +6345,8 @@
         </p:nvSpPr>
         <p:spPr>
           <a:xfrm>
-            <a:off x="838200" y="1316391"/>
-            <a:ext cx="10718162" cy="923330"/>
+            <a:off x="652182" y="1316391"/>
+            <a:ext cx="10904180" cy="1200329"/>
           </a:xfrm>
           <a:prstGeom prst="rect">
             <a:avLst/>
@@ -6302,17 +6365,7 @@
                   <a:schemeClr val="bg1"/>
                 </a:solidFill>
               </a:rPr>
-              <a:t>Per concludere abbiamo effettuare una simulazione generica per visualizzare quali gli attacchi più probabili per una banca e definire quindi quali sono gli elementi in cui essa deve focalizzarsi per aumentare la sua sicurezza.</a:t>
-            </a:r>
-          </a:p>
-          <a:p>
-            <a:r>
-              <a:rPr lang="it-IT">
-                <a:solidFill>
-                  <a:schemeClr val="bg1"/>
-                </a:solidFill>
-              </a:rPr>
-              <a:t>Come ci aspettavamo….</a:t>
+              <a:t>Per concludere abbiamo effettuare una simulazione generica per visualizzare quali gli attacchi più probabili per una banca e definire quindi quali sono gli elementi in cui essa deve focalizzarsi per aumentare la sua sicurezza e come ci aspettavamo l’attacco preferito risulta essere il furto di credenziali, siano essere degli utenti tramite il phishing che del direttore tramite un attacco al sistema informatico.</a:t>
             </a:r>
           </a:p>
         </p:txBody>

--- a/documentazione/BankRobbery.pptx
+++ b/documentazione/BankRobbery.pptx
@@ -263,7 +263,7 @@
           <a:p>
             <a:fld id="{A38BC211-87E7-4C75-868E-3E1D8BC7F1A4}" type="datetimeFigureOut">
               <a:rPr lang="it-IT" smtClean="0"/>
-              <a:t>04/06/2020</a:t>
+              <a:t>05/06/2020</a:t>
             </a:fld>
             <a:endParaRPr lang="it-IT"/>
           </a:p>
@@ -461,7 +461,7 @@
           <a:p>
             <a:fld id="{A38BC211-87E7-4C75-868E-3E1D8BC7F1A4}" type="datetimeFigureOut">
               <a:rPr lang="it-IT" smtClean="0"/>
-              <a:t>04/06/2020</a:t>
+              <a:t>05/06/2020</a:t>
             </a:fld>
             <a:endParaRPr lang="it-IT"/>
           </a:p>
@@ -669,7 +669,7 @@
           <a:p>
             <a:fld id="{A38BC211-87E7-4C75-868E-3E1D8BC7F1A4}" type="datetimeFigureOut">
               <a:rPr lang="it-IT" smtClean="0"/>
-              <a:t>04/06/2020</a:t>
+              <a:t>05/06/2020</a:t>
             </a:fld>
             <a:endParaRPr lang="it-IT"/>
           </a:p>
@@ -867,7 +867,7 @@
           <a:p>
             <a:fld id="{A38BC211-87E7-4C75-868E-3E1D8BC7F1A4}" type="datetimeFigureOut">
               <a:rPr lang="it-IT" smtClean="0"/>
-              <a:t>04/06/2020</a:t>
+              <a:t>05/06/2020</a:t>
             </a:fld>
             <a:endParaRPr lang="it-IT"/>
           </a:p>
@@ -1142,7 +1142,7 @@
           <a:p>
             <a:fld id="{A38BC211-87E7-4C75-868E-3E1D8BC7F1A4}" type="datetimeFigureOut">
               <a:rPr lang="it-IT" smtClean="0"/>
-              <a:t>04/06/2020</a:t>
+              <a:t>05/06/2020</a:t>
             </a:fld>
             <a:endParaRPr lang="it-IT"/>
           </a:p>
@@ -1407,7 +1407,7 @@
           <a:p>
             <a:fld id="{A38BC211-87E7-4C75-868E-3E1D8BC7F1A4}" type="datetimeFigureOut">
               <a:rPr lang="it-IT" smtClean="0"/>
-              <a:t>04/06/2020</a:t>
+              <a:t>05/06/2020</a:t>
             </a:fld>
             <a:endParaRPr lang="it-IT"/>
           </a:p>
@@ -1819,7 +1819,7 @@
           <a:p>
             <a:fld id="{A38BC211-87E7-4C75-868E-3E1D8BC7F1A4}" type="datetimeFigureOut">
               <a:rPr lang="it-IT" smtClean="0"/>
-              <a:t>04/06/2020</a:t>
+              <a:t>05/06/2020</a:t>
             </a:fld>
             <a:endParaRPr lang="it-IT"/>
           </a:p>
@@ -1960,7 +1960,7 @@
           <a:p>
             <a:fld id="{A38BC211-87E7-4C75-868E-3E1D8BC7F1A4}" type="datetimeFigureOut">
               <a:rPr lang="it-IT" smtClean="0"/>
-              <a:t>04/06/2020</a:t>
+              <a:t>05/06/2020</a:t>
             </a:fld>
             <a:endParaRPr lang="it-IT"/>
           </a:p>
@@ -2073,7 +2073,7 @@
           <a:p>
             <a:fld id="{A38BC211-87E7-4C75-868E-3E1D8BC7F1A4}" type="datetimeFigureOut">
               <a:rPr lang="it-IT" smtClean="0"/>
-              <a:t>04/06/2020</a:t>
+              <a:t>05/06/2020</a:t>
             </a:fld>
             <a:endParaRPr lang="it-IT"/>
           </a:p>
@@ -2384,7 +2384,7 @@
           <a:p>
             <a:fld id="{A38BC211-87E7-4C75-868E-3E1D8BC7F1A4}" type="datetimeFigureOut">
               <a:rPr lang="it-IT" smtClean="0"/>
-              <a:t>04/06/2020</a:t>
+              <a:t>05/06/2020</a:t>
             </a:fld>
             <a:endParaRPr lang="it-IT"/>
           </a:p>
@@ -2672,7 +2672,7 @@
           <a:p>
             <a:fld id="{A38BC211-87E7-4C75-868E-3E1D8BC7F1A4}" type="datetimeFigureOut">
               <a:rPr lang="it-IT" smtClean="0"/>
-              <a:t>04/06/2020</a:t>
+              <a:t>05/06/2020</a:t>
             </a:fld>
             <a:endParaRPr lang="it-IT"/>
           </a:p>
@@ -2913,7 +2913,7 @@
           <a:p>
             <a:fld id="{A38BC211-87E7-4C75-868E-3E1D8BC7F1A4}" type="datetimeFigureOut">
               <a:rPr lang="it-IT" smtClean="0"/>
-              <a:t>04/06/2020</a:t>
+              <a:t>05/06/2020</a:t>
             </a:fld>
             <a:endParaRPr lang="it-IT"/>
           </a:p>
@@ -4831,13 +4831,13 @@
               </a:ext>
             </a:extLst>
           </a:blip>
-          <a:srcRect t="4005" r="10902" b="4156"/>
+          <a:srcRect l="571" t="4930" r="10690" b="4093"/>
           <a:stretch/>
         </p:blipFill>
         <p:spPr>
           <a:xfrm>
-            <a:off x="7391400" y="1278230"/>
-            <a:ext cx="4129090" cy="5190540"/>
+            <a:off x="7294105" y="1340082"/>
+            <a:ext cx="4036303" cy="5046539"/>
           </a:xfrm>
           <a:prstGeom prst="rect">
             <a:avLst/>
@@ -5415,13 +5415,13 @@
               </a:ext>
             </a:extLst>
           </a:blip>
-          <a:srcRect l="9573" t="4941" r="10009" b="3435"/>
+          <a:srcRect l="10326" t="2806" r="9473" b="4682"/>
           <a:stretch/>
         </p:blipFill>
         <p:spPr>
           <a:xfrm>
-            <a:off x="7709763" y="1278230"/>
-            <a:ext cx="3832875" cy="5199849"/>
+            <a:off x="7819296" y="1259405"/>
+            <a:ext cx="3547321" cy="5228190"/>
           </a:xfrm>
           <a:prstGeom prst="rect">
             <a:avLst/>
@@ -6022,13 +6022,13 @@
               </a:ext>
             </a:extLst>
           </a:blip>
-          <a:srcRect l="5709" t="5000" r="5792" b="4878"/>
+          <a:srcRect l="5162" t="3826" r="5774" b="4066"/>
           <a:stretch/>
         </p:blipFill>
         <p:spPr>
           <a:xfrm>
-            <a:off x="6304306" y="2739362"/>
-            <a:ext cx="5252056" cy="3531000"/>
+            <a:off x="6268950" y="2739363"/>
+            <a:ext cx="5248304" cy="3531522"/>
           </a:xfrm>
           <a:prstGeom prst="rect">
             <a:avLst/>

--- a/documentazione/BankRobbery.pptx
+++ b/documentazione/BankRobbery.pptx
@@ -263,7 +263,7 @@
           <a:p>
             <a:fld id="{A38BC211-87E7-4C75-868E-3E1D8BC7F1A4}" type="datetimeFigureOut">
               <a:rPr lang="it-IT" smtClean="0"/>
-              <a:t>05/06/2020</a:t>
+              <a:t>06/06/2020</a:t>
             </a:fld>
             <a:endParaRPr lang="it-IT"/>
           </a:p>
@@ -461,7 +461,7 @@
           <a:p>
             <a:fld id="{A38BC211-87E7-4C75-868E-3E1D8BC7F1A4}" type="datetimeFigureOut">
               <a:rPr lang="it-IT" smtClean="0"/>
-              <a:t>05/06/2020</a:t>
+              <a:t>06/06/2020</a:t>
             </a:fld>
             <a:endParaRPr lang="it-IT"/>
           </a:p>
@@ -669,7 +669,7 @@
           <a:p>
             <a:fld id="{A38BC211-87E7-4C75-868E-3E1D8BC7F1A4}" type="datetimeFigureOut">
               <a:rPr lang="it-IT" smtClean="0"/>
-              <a:t>05/06/2020</a:t>
+              <a:t>06/06/2020</a:t>
             </a:fld>
             <a:endParaRPr lang="it-IT"/>
           </a:p>
@@ -867,7 +867,7 @@
           <a:p>
             <a:fld id="{A38BC211-87E7-4C75-868E-3E1D8BC7F1A4}" type="datetimeFigureOut">
               <a:rPr lang="it-IT" smtClean="0"/>
-              <a:t>05/06/2020</a:t>
+              <a:t>06/06/2020</a:t>
             </a:fld>
             <a:endParaRPr lang="it-IT"/>
           </a:p>
@@ -1142,7 +1142,7 @@
           <a:p>
             <a:fld id="{A38BC211-87E7-4C75-868E-3E1D8BC7F1A4}" type="datetimeFigureOut">
               <a:rPr lang="it-IT" smtClean="0"/>
-              <a:t>05/06/2020</a:t>
+              <a:t>06/06/2020</a:t>
             </a:fld>
             <a:endParaRPr lang="it-IT"/>
           </a:p>
@@ -1407,7 +1407,7 @@
           <a:p>
             <a:fld id="{A38BC211-87E7-4C75-868E-3E1D8BC7F1A4}" type="datetimeFigureOut">
               <a:rPr lang="it-IT" smtClean="0"/>
-              <a:t>05/06/2020</a:t>
+              <a:t>06/06/2020</a:t>
             </a:fld>
             <a:endParaRPr lang="it-IT"/>
           </a:p>
@@ -1819,7 +1819,7 @@
           <a:p>
             <a:fld id="{A38BC211-87E7-4C75-868E-3E1D8BC7F1A4}" type="datetimeFigureOut">
               <a:rPr lang="it-IT" smtClean="0"/>
-              <a:t>05/06/2020</a:t>
+              <a:t>06/06/2020</a:t>
             </a:fld>
             <a:endParaRPr lang="it-IT"/>
           </a:p>
@@ -1960,7 +1960,7 @@
           <a:p>
             <a:fld id="{A38BC211-87E7-4C75-868E-3E1D8BC7F1A4}" type="datetimeFigureOut">
               <a:rPr lang="it-IT" smtClean="0"/>
-              <a:t>05/06/2020</a:t>
+              <a:t>06/06/2020</a:t>
             </a:fld>
             <a:endParaRPr lang="it-IT"/>
           </a:p>
@@ -2073,7 +2073,7 @@
           <a:p>
             <a:fld id="{A38BC211-87E7-4C75-868E-3E1D8BC7F1A4}" type="datetimeFigureOut">
               <a:rPr lang="it-IT" smtClean="0"/>
-              <a:t>05/06/2020</a:t>
+              <a:t>06/06/2020</a:t>
             </a:fld>
             <a:endParaRPr lang="it-IT"/>
           </a:p>
@@ -2384,7 +2384,7 @@
           <a:p>
             <a:fld id="{A38BC211-87E7-4C75-868E-3E1D8BC7F1A4}" type="datetimeFigureOut">
               <a:rPr lang="it-IT" smtClean="0"/>
-              <a:t>05/06/2020</a:t>
+              <a:t>06/06/2020</a:t>
             </a:fld>
             <a:endParaRPr lang="it-IT"/>
           </a:p>
@@ -2672,7 +2672,7 @@
           <a:p>
             <a:fld id="{A38BC211-87E7-4C75-868E-3E1D8BC7F1A4}" type="datetimeFigureOut">
               <a:rPr lang="it-IT" smtClean="0"/>
-              <a:t>05/06/2020</a:t>
+              <a:t>06/06/2020</a:t>
             </a:fld>
             <a:endParaRPr lang="it-IT"/>
           </a:p>
@@ -2913,7 +2913,7 @@
           <a:p>
             <a:fld id="{A38BC211-87E7-4C75-868E-3E1D8BC7F1A4}" type="datetimeFigureOut">
               <a:rPr lang="it-IT" smtClean="0"/>
-              <a:t>05/06/2020</a:t>
+              <a:t>06/06/2020</a:t>
             </a:fld>
             <a:endParaRPr lang="it-IT"/>
           </a:p>
@@ -4831,13 +4831,13 @@
               </a:ext>
             </a:extLst>
           </a:blip>
-          <a:srcRect l="571" t="4930" r="10690" b="4093"/>
+          <a:srcRect t="4000" r="12048" b="5358"/>
           <a:stretch/>
         </p:blipFill>
         <p:spPr>
           <a:xfrm>
-            <a:off x="7294105" y="1340082"/>
-            <a:ext cx="4036303" cy="5046539"/>
+            <a:off x="7218706" y="1301156"/>
+            <a:ext cx="4183181" cy="5101560"/>
           </a:xfrm>
           <a:prstGeom prst="rect">
             <a:avLst/>
@@ -5371,7 +5371,7 @@
         <p:spPr>
           <a:xfrm>
             <a:off x="921407" y="3032556"/>
-            <a:ext cx="6382419" cy="3436938"/>
+            <a:ext cx="6382419" cy="3368013"/>
           </a:xfrm>
           <a:prstGeom prst="rect">
             <a:avLst/>
@@ -5415,13 +5415,13 @@
               </a:ext>
             </a:extLst>
           </a:blip>
-          <a:srcRect l="10326" t="2806" r="9473" b="4682"/>
+          <a:srcRect l="10170" t="1444" r="9417" b="4214"/>
           <a:stretch/>
         </p:blipFill>
         <p:spPr>
           <a:xfrm>
-            <a:off x="7819296" y="1259405"/>
-            <a:ext cx="3547321" cy="5228190"/>
+            <a:off x="7709763" y="1424442"/>
+            <a:ext cx="3842374" cy="4976127"/>
           </a:xfrm>
           <a:prstGeom prst="rect">
             <a:avLst/>
@@ -5882,8 +5882,8 @@
         </p:nvSpPr>
         <p:spPr>
           <a:xfrm>
-            <a:off x="515470" y="1155700"/>
-            <a:ext cx="11161059" cy="5435600"/>
+            <a:off x="515470" y="978730"/>
+            <a:ext cx="11161059" cy="5612570"/>
           </a:xfrm>
           <a:prstGeom prst="rect">
             <a:avLst/>
@@ -5977,8 +5977,8 @@
         </p:blipFill>
         <p:spPr>
           <a:xfrm>
-            <a:off x="679201" y="2739363"/>
-            <a:ext cx="5416799" cy="3505208"/>
+            <a:off x="674746" y="3021449"/>
+            <a:ext cx="5416799" cy="3429896"/>
           </a:xfrm>
           <a:prstGeom prst="rect">
             <a:avLst/>
@@ -6027,8 +6027,8 @@
         </p:blipFill>
         <p:spPr>
           <a:xfrm>
-            <a:off x="6268950" y="2739363"/>
-            <a:ext cx="5248304" cy="3531522"/>
+            <a:off x="6250821" y="3021448"/>
+            <a:ext cx="5248304" cy="3429897"/>
           </a:xfrm>
           <a:prstGeom prst="rect">
             <a:avLst/>
@@ -6345,8 +6345,8 @@
         </p:nvSpPr>
         <p:spPr>
           <a:xfrm>
-            <a:off x="652182" y="1316391"/>
-            <a:ext cx="10904180" cy="1200329"/>
+            <a:off x="652182" y="1122926"/>
+            <a:ext cx="10904180" cy="1754326"/>
           </a:xfrm>
           <a:prstGeom prst="rect">
             <a:avLst/>
@@ -6365,7 +6365,7 @@
                   <a:schemeClr val="bg1"/>
                 </a:solidFill>
               </a:rPr>
-              <a:t>Per concludere abbiamo effettuare una simulazione generica per visualizzare quali gli attacchi più probabili per una banca e definire quindi quali sono gli elementi in cui essa deve focalizzarsi per aumentare la sua sicurezza e come ci aspettavamo l’attacco preferito risulta essere il furto di credenziali, siano essere degli utenti tramite il phishing che del direttore tramite un attacco al sistema informatico.</a:t>
+              <a:t>Per concludere abbiamo effettuare una simulazione generica per visualizzare quali sono gli attacchi più probabili per una banca e definire quindi gli elementi su cui essa deve focalizzarsi per aumentare la sua sicurezza e quella dei suoi clienti. Come ci aspettavamo gli attacchi più probabili risultano essere quelli ad approccio informatico, una banca per rimanere sicura deve investire molte risorse nel proteggere sia le sue strutture informatiche che i propri clienti in quanto un attacco complesso anche se può dare alti guadagni data la poca propensione ad essere effettuato non rappresenta il suo problema principale.</a:t>
             </a:r>
           </a:p>
         </p:txBody>

--- a/documentazione/BankRobbery.pptx
+++ b/documentazione/BankRobbery.pptx
@@ -4831,13 +4831,13 @@
               </a:ext>
             </a:extLst>
           </a:blip>
-          <a:srcRect t="4000" r="12048" b="5358"/>
+          <a:srcRect t="3948" r="10916" b="4631"/>
           <a:stretch/>
         </p:blipFill>
         <p:spPr>
           <a:xfrm>
-            <a:off x="7218706" y="1301156"/>
-            <a:ext cx="4183181" cy="5101560"/>
+            <a:off x="7249119" y="1301156"/>
+            <a:ext cx="4081505" cy="5108172"/>
           </a:xfrm>
           <a:prstGeom prst="rect">
             <a:avLst/>
